--- a/assets/images.pptx
+++ b/assets/images.pptx
@@ -259,7 +259,7 @@
           <a:p>
             <a:fld id="{ECDD65C9-A4A9-46F5-A159-DCD80DB8A026}" type="datetimeFigureOut">
               <a:rPr lang="en-US" smtClean="0"/>
-              <a:t>11/9/2021</a:t>
+              <a:t>12/29/2021</a:t>
             </a:fld>
             <a:endParaRPr lang="en-US"/>
           </a:p>
@@ -457,7 +457,7 @@
           <a:p>
             <a:fld id="{ECDD65C9-A4A9-46F5-A159-DCD80DB8A026}" type="datetimeFigureOut">
               <a:rPr lang="en-US" smtClean="0"/>
-              <a:t>11/9/2021</a:t>
+              <a:t>12/29/2021</a:t>
             </a:fld>
             <a:endParaRPr lang="en-US"/>
           </a:p>
@@ -665,7 +665,7 @@
           <a:p>
             <a:fld id="{ECDD65C9-A4A9-46F5-A159-DCD80DB8A026}" type="datetimeFigureOut">
               <a:rPr lang="en-US" smtClean="0"/>
-              <a:t>11/9/2021</a:t>
+              <a:t>12/29/2021</a:t>
             </a:fld>
             <a:endParaRPr lang="en-US"/>
           </a:p>
@@ -863,7 +863,7 @@
           <a:p>
             <a:fld id="{ECDD65C9-A4A9-46F5-A159-DCD80DB8A026}" type="datetimeFigureOut">
               <a:rPr lang="en-US" smtClean="0"/>
-              <a:t>11/9/2021</a:t>
+              <a:t>12/29/2021</a:t>
             </a:fld>
             <a:endParaRPr lang="en-US"/>
           </a:p>
@@ -1138,7 +1138,7 @@
           <a:p>
             <a:fld id="{ECDD65C9-A4A9-46F5-A159-DCD80DB8A026}" type="datetimeFigureOut">
               <a:rPr lang="en-US" smtClean="0"/>
-              <a:t>11/9/2021</a:t>
+              <a:t>12/29/2021</a:t>
             </a:fld>
             <a:endParaRPr lang="en-US"/>
           </a:p>
@@ -1403,7 +1403,7 @@
           <a:p>
             <a:fld id="{ECDD65C9-A4A9-46F5-A159-DCD80DB8A026}" type="datetimeFigureOut">
               <a:rPr lang="en-US" smtClean="0"/>
-              <a:t>11/9/2021</a:t>
+              <a:t>12/29/2021</a:t>
             </a:fld>
             <a:endParaRPr lang="en-US"/>
           </a:p>
@@ -1815,7 +1815,7 @@
           <a:p>
             <a:fld id="{ECDD65C9-A4A9-46F5-A159-DCD80DB8A026}" type="datetimeFigureOut">
               <a:rPr lang="en-US" smtClean="0"/>
-              <a:t>11/9/2021</a:t>
+              <a:t>12/29/2021</a:t>
             </a:fld>
             <a:endParaRPr lang="en-US"/>
           </a:p>
@@ -1956,7 +1956,7 @@
           <a:p>
             <a:fld id="{ECDD65C9-A4A9-46F5-A159-DCD80DB8A026}" type="datetimeFigureOut">
               <a:rPr lang="en-US" smtClean="0"/>
-              <a:t>11/9/2021</a:t>
+              <a:t>12/29/2021</a:t>
             </a:fld>
             <a:endParaRPr lang="en-US"/>
           </a:p>
@@ -2069,7 +2069,7 @@
           <a:p>
             <a:fld id="{ECDD65C9-A4A9-46F5-A159-DCD80DB8A026}" type="datetimeFigureOut">
               <a:rPr lang="en-US" smtClean="0"/>
-              <a:t>11/9/2021</a:t>
+              <a:t>12/29/2021</a:t>
             </a:fld>
             <a:endParaRPr lang="en-US"/>
           </a:p>
@@ -2380,7 +2380,7 @@
           <a:p>
             <a:fld id="{ECDD65C9-A4A9-46F5-A159-DCD80DB8A026}" type="datetimeFigureOut">
               <a:rPr lang="en-US" smtClean="0"/>
-              <a:t>11/9/2021</a:t>
+              <a:t>12/29/2021</a:t>
             </a:fld>
             <a:endParaRPr lang="en-US"/>
           </a:p>
@@ -2668,7 +2668,7 @@
           <a:p>
             <a:fld id="{ECDD65C9-A4A9-46F5-A159-DCD80DB8A026}" type="datetimeFigureOut">
               <a:rPr lang="en-US" smtClean="0"/>
-              <a:t>11/9/2021</a:t>
+              <a:t>12/29/2021</a:t>
             </a:fld>
             <a:endParaRPr lang="en-US"/>
           </a:p>
@@ -2909,7 +2909,7 @@
           <a:p>
             <a:fld id="{ECDD65C9-A4A9-46F5-A159-DCD80DB8A026}" type="datetimeFigureOut">
               <a:rPr lang="en-US" smtClean="0"/>
-              <a:t>11/9/2021</a:t>
+              <a:t>12/29/2021</a:t>
             </a:fld>
             <a:endParaRPr lang="en-US"/>
           </a:p>
@@ -3340,14 +3340,66 @@
         </p:nvSpPr>
         <p:spPr>
           <a:xfrm rot="21081580">
-            <a:off x="4384503" y="1287409"/>
+            <a:off x="2240744" y="1246769"/>
             <a:ext cx="1707943" cy="1803400"/>
           </a:xfrm>
           <a:prstGeom prst="ellipse">
             <a:avLst/>
           </a:prstGeom>
           <a:noFill/>
-          <a:ln w="19050">
+          <a:ln w="57150">
+            <a:solidFill>
+              <a:srgbClr val="385723"/>
+            </a:solidFill>
+          </a:ln>
+        </p:spPr>
+        <p:style>
+          <a:lnRef idx="2">
+            <a:schemeClr val="accent1">
+              <a:shade val="50000"/>
+            </a:schemeClr>
+          </a:lnRef>
+          <a:fillRef idx="1">
+            <a:schemeClr val="accent1"/>
+          </a:fillRef>
+          <a:effectRef idx="0">
+            <a:schemeClr val="accent1"/>
+          </a:effectRef>
+          <a:fontRef idx="minor">
+            <a:schemeClr val="lt1"/>
+          </a:fontRef>
+        </p:style>
+        <p:txBody>
+          <a:bodyPr rtlCol="0" anchor="ctr"/>
+          <a:lstStyle/>
+          <a:p>
+            <a:pPr algn="ctr"/>
+            <a:endParaRPr lang="en-US"/>
+          </a:p>
+        </p:txBody>
+      </p:sp>
+      <p:sp>
+        <p:nvSpPr>
+          <p:cNvPr id="4" name="Oval 3">
+            <a:extLst>
+              <a:ext uri="{FF2B5EF4-FFF2-40B4-BE49-F238E27FC236}">
+                <a16:creationId xmlns:a16="http://schemas.microsoft.com/office/drawing/2014/main" id="{232E0B71-8220-43F6-AF7A-5D3D77DD699B}"/>
+              </a:ext>
+            </a:extLst>
+          </p:cNvPr>
+          <p:cNvSpPr/>
+          <p:nvPr/>
+        </p:nvSpPr>
+        <p:spPr>
+          <a:xfrm rot="21040362">
+            <a:off x="3667758" y="1413746"/>
+            <a:ext cx="1090030" cy="2463800"/>
+          </a:xfrm>
+          <a:prstGeom prst="ellipse">
+            <a:avLst/>
+          </a:prstGeom>
+          <a:noFill/>
+          <a:ln w="57150">
             <a:solidFill>
               <a:schemeClr val="accent6">
                 <a:lumMod val="50000"/>
@@ -3382,10 +3434,10 @@
       </p:sp>
       <p:sp>
         <p:nvSpPr>
-          <p:cNvPr id="4" name="Oval 3">
-            <a:extLst>
-              <a:ext uri="{FF2B5EF4-FFF2-40B4-BE49-F238E27FC236}">
-                <a16:creationId xmlns:a16="http://schemas.microsoft.com/office/drawing/2014/main" id="{232E0B71-8220-43F6-AF7A-5D3D77DD699B}"/>
+          <p:cNvPr id="5" name="Oval 4">
+            <a:extLst>
+              <a:ext uri="{FF2B5EF4-FFF2-40B4-BE49-F238E27FC236}">
+                <a16:creationId xmlns:a16="http://schemas.microsoft.com/office/drawing/2014/main" id="{B81026B4-0CC7-45D8-909C-9CD162A3422C}"/>
               </a:ext>
             </a:extLst>
           </p:cNvPr>
@@ -3393,15 +3445,15 @@
           <p:nvPr/>
         </p:nvSpPr>
         <p:spPr>
-          <a:xfrm rot="21040362">
-            <a:off x="5811517" y="1454386"/>
-            <a:ext cx="1090030" cy="2463800"/>
+          <a:xfrm rot="2667761">
+            <a:off x="3740778" y="3278500"/>
+            <a:ext cx="422926" cy="1365881"/>
           </a:xfrm>
           <a:prstGeom prst="ellipse">
             <a:avLst/>
           </a:prstGeom>
           <a:noFill/>
-          <a:ln w="19050">
+          <a:ln w="57150">
             <a:solidFill>
               <a:schemeClr val="accent6">
                 <a:lumMod val="50000"/>
@@ -3436,10 +3488,10 @@
       </p:sp>
       <p:sp>
         <p:nvSpPr>
-          <p:cNvPr id="5" name="Oval 4">
-            <a:extLst>
-              <a:ext uri="{FF2B5EF4-FFF2-40B4-BE49-F238E27FC236}">
-                <a16:creationId xmlns:a16="http://schemas.microsoft.com/office/drawing/2014/main" id="{B81026B4-0CC7-45D8-909C-9CD162A3422C}"/>
+          <p:cNvPr id="6" name="Oval 5">
+            <a:extLst>
+              <a:ext uri="{FF2B5EF4-FFF2-40B4-BE49-F238E27FC236}">
+                <a16:creationId xmlns:a16="http://schemas.microsoft.com/office/drawing/2014/main" id="{526D3AC0-B877-4EBA-8853-A6FF525F777E}"/>
               </a:ext>
             </a:extLst>
           </p:cNvPr>
@@ -3447,15 +3499,15 @@
           <p:nvPr/>
         </p:nvSpPr>
         <p:spPr>
-          <a:xfrm rot="2667761">
-            <a:off x="5884537" y="3319140"/>
-            <a:ext cx="422926" cy="1365881"/>
+          <a:xfrm rot="3852924">
+            <a:off x="3719375" y="4491846"/>
+            <a:ext cx="260530" cy="530306"/>
           </a:xfrm>
           <a:prstGeom prst="ellipse">
             <a:avLst/>
           </a:prstGeom>
           <a:noFill/>
-          <a:ln w="19050">
+          <a:ln w="57150">
             <a:solidFill>
               <a:schemeClr val="accent6">
                 <a:lumMod val="50000"/>
@@ -3490,10 +3542,10 @@
       </p:sp>
       <p:sp>
         <p:nvSpPr>
-          <p:cNvPr id="6" name="Oval 5">
-            <a:extLst>
-              <a:ext uri="{FF2B5EF4-FFF2-40B4-BE49-F238E27FC236}">
-                <a16:creationId xmlns:a16="http://schemas.microsoft.com/office/drawing/2014/main" id="{526D3AC0-B877-4EBA-8853-A6FF525F777E}"/>
+          <p:cNvPr id="7" name="Oval 6">
+            <a:extLst>
+              <a:ext uri="{FF2B5EF4-FFF2-40B4-BE49-F238E27FC236}">
+                <a16:creationId xmlns:a16="http://schemas.microsoft.com/office/drawing/2014/main" id="{54A62D26-C3DC-496F-807E-8C555B94EE21}"/>
               </a:ext>
             </a:extLst>
           </p:cNvPr>
@@ -3501,15 +3553,15 @@
           <p:nvPr/>
         </p:nvSpPr>
         <p:spPr>
-          <a:xfrm rot="3852924">
-            <a:off x="5863134" y="4532486"/>
-            <a:ext cx="260530" cy="530306"/>
+          <a:xfrm rot="753121">
+            <a:off x="2674358" y="1231016"/>
+            <a:ext cx="1759730" cy="735019"/>
           </a:xfrm>
           <a:prstGeom prst="ellipse">
             <a:avLst/>
           </a:prstGeom>
           <a:noFill/>
-          <a:ln w="19050">
+          <a:ln w="57150">
             <a:solidFill>
               <a:schemeClr val="accent6">
                 <a:lumMod val="50000"/>
@@ -3544,10 +3596,10 @@
       </p:sp>
       <p:sp>
         <p:nvSpPr>
-          <p:cNvPr id="7" name="Oval 6">
-            <a:extLst>
-              <a:ext uri="{FF2B5EF4-FFF2-40B4-BE49-F238E27FC236}">
-                <a16:creationId xmlns:a16="http://schemas.microsoft.com/office/drawing/2014/main" id="{54A62D26-C3DC-496F-807E-8C555B94EE21}"/>
+          <p:cNvPr id="8" name="Oval 7">
+            <a:extLst>
+              <a:ext uri="{FF2B5EF4-FFF2-40B4-BE49-F238E27FC236}">
+                <a16:creationId xmlns:a16="http://schemas.microsoft.com/office/drawing/2014/main" id="{202B72E6-969A-488D-9D19-EE0A09DCBC14}"/>
               </a:ext>
             </a:extLst>
           </p:cNvPr>
@@ -3555,15 +3607,15 @@
           <p:nvPr/>
         </p:nvSpPr>
         <p:spPr>
-          <a:xfrm rot="753121">
-            <a:off x="4818117" y="1271656"/>
-            <a:ext cx="1759730" cy="735019"/>
+          <a:xfrm rot="20302535">
+            <a:off x="3490175" y="4264839"/>
+            <a:ext cx="449295" cy="540430"/>
           </a:xfrm>
           <a:prstGeom prst="ellipse">
             <a:avLst/>
           </a:prstGeom>
           <a:noFill/>
-          <a:ln w="19050">
+          <a:ln w="57150">
             <a:solidFill>
               <a:schemeClr val="accent6">
                 <a:lumMod val="50000"/>
@@ -3598,10 +3650,10 @@
       </p:sp>
       <p:sp>
         <p:nvSpPr>
-          <p:cNvPr id="8" name="Oval 7">
-            <a:extLst>
-              <a:ext uri="{FF2B5EF4-FFF2-40B4-BE49-F238E27FC236}">
-                <a16:creationId xmlns:a16="http://schemas.microsoft.com/office/drawing/2014/main" id="{202B72E6-969A-488D-9D19-EE0A09DCBC14}"/>
+          <p:cNvPr id="12" name="Oval 11">
+            <a:extLst>
+              <a:ext uri="{FF2B5EF4-FFF2-40B4-BE49-F238E27FC236}">
+                <a16:creationId xmlns:a16="http://schemas.microsoft.com/office/drawing/2014/main" id="{D7C1FAD1-D97E-4CBC-872E-C8E38E69E8AF}"/>
               </a:ext>
             </a:extLst>
           </p:cNvPr>
@@ -3609,15 +3661,15 @@
           <p:nvPr/>
         </p:nvSpPr>
         <p:spPr>
-          <a:xfrm rot="20302535">
-            <a:off x="5633934" y="4305479"/>
-            <a:ext cx="449295" cy="540430"/>
+          <a:xfrm rot="20831030" flipV="1">
+            <a:off x="3487544" y="3165496"/>
+            <a:ext cx="682240" cy="299463"/>
           </a:xfrm>
           <a:prstGeom prst="ellipse">
             <a:avLst/>
           </a:prstGeom>
           <a:noFill/>
-          <a:ln w="19050">
+          <a:ln w="57150">
             <a:solidFill>
               <a:schemeClr val="accent6">
                 <a:lumMod val="50000"/>
@@ -3652,10 +3704,10 @@
       </p:sp>
       <p:sp>
         <p:nvSpPr>
-          <p:cNvPr id="12" name="Oval 11">
-            <a:extLst>
-              <a:ext uri="{FF2B5EF4-FFF2-40B4-BE49-F238E27FC236}">
-                <a16:creationId xmlns:a16="http://schemas.microsoft.com/office/drawing/2014/main" id="{D7C1FAD1-D97E-4CBC-872E-C8E38E69E8AF}"/>
+          <p:cNvPr id="14" name="Oval 13">
+            <a:extLst>
+              <a:ext uri="{FF2B5EF4-FFF2-40B4-BE49-F238E27FC236}">
+                <a16:creationId xmlns:a16="http://schemas.microsoft.com/office/drawing/2014/main" id="{31435BDF-F8E6-49C9-9B6E-31142E2B1220}"/>
               </a:ext>
             </a:extLst>
           </p:cNvPr>
@@ -3663,15 +3715,15 @@
           <p:nvPr/>
         </p:nvSpPr>
         <p:spPr>
-          <a:xfrm rot="20831030" flipV="1">
-            <a:off x="5631303" y="3206136"/>
-            <a:ext cx="682240" cy="299463"/>
+          <a:xfrm>
+            <a:off x="4102032" y="2522304"/>
+            <a:ext cx="251593" cy="251593"/>
           </a:xfrm>
           <a:prstGeom prst="ellipse">
             <a:avLst/>
           </a:prstGeom>
           <a:noFill/>
-          <a:ln w="19050">
+          <a:ln w="57150">
             <a:solidFill>
               <a:schemeClr val="accent6">
                 <a:lumMod val="50000"/>
@@ -3706,10 +3758,10 @@
       </p:sp>
       <p:sp>
         <p:nvSpPr>
-          <p:cNvPr id="14" name="Oval 13">
-            <a:extLst>
-              <a:ext uri="{FF2B5EF4-FFF2-40B4-BE49-F238E27FC236}">
-                <a16:creationId xmlns:a16="http://schemas.microsoft.com/office/drawing/2014/main" id="{31435BDF-F8E6-49C9-9B6E-31142E2B1220}"/>
+          <p:cNvPr id="2" name="Rectangle 1">
+            <a:extLst>
+              <a:ext uri="{FF2B5EF4-FFF2-40B4-BE49-F238E27FC236}">
+                <a16:creationId xmlns:a16="http://schemas.microsoft.com/office/drawing/2014/main" id="{EDED67AC-9A8A-49B1-A868-B6DC435A4815}"/>
               </a:ext>
             </a:extLst>
           </p:cNvPr>
@@ -3718,43 +3770,44 @@
         </p:nvSpPr>
         <p:spPr>
           <a:xfrm>
-            <a:off x="6245791" y="2562944"/>
-            <a:ext cx="251593" cy="251593"/>
+            <a:off x="5054286" y="929499"/>
+            <a:ext cx="6026464" cy="3939540"/>
           </a:xfrm>
-          <a:prstGeom prst="ellipse">
+          <a:prstGeom prst="rect">
             <a:avLst/>
           </a:prstGeom>
           <a:noFill/>
-          <a:ln w="19050">
-            <a:solidFill>
-              <a:schemeClr val="accent6">
-                <a:lumMod val="50000"/>
-              </a:schemeClr>
-            </a:solidFill>
-          </a:ln>
         </p:spPr>
-        <p:style>
-          <a:lnRef idx="2">
-            <a:schemeClr val="accent1">
-              <a:shade val="50000"/>
-            </a:schemeClr>
-          </a:lnRef>
-          <a:fillRef idx="1">
-            <a:schemeClr val="accent1"/>
-          </a:fillRef>
-          <a:effectRef idx="0">
-            <a:schemeClr val="accent1"/>
-          </a:effectRef>
-          <a:fontRef idx="minor">
-            <a:schemeClr val="lt1"/>
-          </a:fontRef>
-        </p:style>
-        <p:txBody>
-          <a:bodyPr rtlCol="0" anchor="ctr"/>
+        <p:txBody>
+          <a:bodyPr wrap="square" lIns="91440" tIns="45720" rIns="91440" bIns="45720">
+            <a:spAutoFit/>
+          </a:bodyPr>
           <a:lstStyle/>
           <a:p>
             <a:pPr algn="ctr"/>
-            <a:endParaRPr lang="en-US"/>
+            <a:r>
+              <a:rPr lang="en-US" sz="25000" b="1" i="1" cap="none" spc="50" dirty="0">
+                <a:ln w="57150" cmpd="sng">
+                  <a:solidFill>
+                    <a:srgbClr val="385723"/>
+                  </a:solidFill>
+                  <a:prstDash val="solid"/>
+                </a:ln>
+                <a:solidFill>
+                  <a:srgbClr val="70AD47">
+                    <a:tint val="1000"/>
+                  </a:srgbClr>
+                </a:solidFill>
+                <a:effectLst>
+                  <a:glow rad="38100">
+                    <a:srgbClr val="385723">
+                      <a:alpha val="40000"/>
+                    </a:srgbClr>
+                  </a:glow>
+                </a:effectLst>
+              </a:rPr>
+              <a:t>tusc</a:t>
+            </a:r>
           </a:p>
         </p:txBody>
       </p:sp>
@@ -4067,21 +4120,6 @@
 </file>
 
 <file path=customXml/item1.xml><?xml version="1.0" encoding="utf-8"?>
-<p:properties xmlns:p="http://schemas.microsoft.com/office/2006/metadata/properties" xmlns:xsi="http://www.w3.org/2001/XMLSchema-instance" xmlns:pc="http://schemas.microsoft.com/office/infopath/2007/PartnerControls">
-  <documentManagement/>
-</p:properties>
-</file>
-
-<file path=customXml/item2.xml><?xml version="1.0" encoding="utf-8"?>
-<?mso-contentType ?>
-<FormTemplates xmlns="http://schemas.microsoft.com/sharepoint/v3/contenttype/forms">
-  <Display>DocumentLibraryForm</Display>
-  <Edit>DocumentLibraryForm</Edit>
-  <New>DocumentLibraryForm</New>
-</FormTemplates>
-</file>
-
-<file path=customXml/item3.xml><?xml version="1.0" encoding="utf-8"?>
 <ct:contentTypeSchema xmlns:ct="http://schemas.microsoft.com/office/2006/metadata/contentType" xmlns:ma="http://schemas.microsoft.com/office/2006/metadata/properties/metaAttributes" ct:_="" ma:_="" ma:contentTypeName="Document" ma:contentTypeID="0x010100DA0AD30F35BA06409AF4661A3F1819D1" ma:contentTypeVersion="10" ma:contentTypeDescription="Create a new document." ma:contentTypeScope="" ma:versionID="7ae528bcf20beea4a7f9f0ff9e7ed634">
   <xsd:schema xmlns:xsd="http://www.w3.org/2001/XMLSchema" xmlns:xs="http://www.w3.org/2001/XMLSchema" xmlns:p="http://schemas.microsoft.com/office/2006/metadata/properties" xmlns:ns3="fb6a2c4e-9846-4f3a-9695-83018ed5ab6f" xmlns:ns4="798dfa3b-b331-4081-a8ab-d3ad5de55129" targetNamespace="http://schemas.microsoft.com/office/2006/metadata/properties" ma:root="true" ma:fieldsID="6d84710dd437cbef5915d2ce0dadd47d" ns3:_="" ns4:_="">
     <xsd:import namespace="fb6a2c4e-9846-4f3a-9695-83018ed5ab6f"/>
@@ -4284,32 +4322,22 @@
 </ct:contentTypeSchema>
 </file>
 
-<file path=customXml/itemProps1.xml><?xml version="1.0" encoding="utf-8"?>
-<ds:datastoreItem xmlns:ds="http://schemas.openxmlformats.org/officeDocument/2006/customXml" ds:itemID="{6B3BB913-34D6-4E3C-A10D-EDC929D2CC33}">
-  <ds:schemaRefs>
-    <ds:schemaRef ds:uri="http://purl.org/dc/elements/1.1/"/>
-    <ds:schemaRef ds:uri="http://schemas.openxmlformats.org/package/2006/metadata/core-properties"/>
-    <ds:schemaRef ds:uri="798dfa3b-b331-4081-a8ab-d3ad5de55129"/>
-    <ds:schemaRef ds:uri="fb6a2c4e-9846-4f3a-9695-83018ed5ab6f"/>
-    <ds:schemaRef ds:uri="http://schemas.microsoft.com/office/2006/documentManagement/types"/>
-    <ds:schemaRef ds:uri="http://purl.org/dc/dcmitype/"/>
-    <ds:schemaRef ds:uri="http://schemas.microsoft.com/office/infopath/2007/PartnerControls"/>
-    <ds:schemaRef ds:uri="http://schemas.microsoft.com/office/2006/metadata/properties"/>
-    <ds:schemaRef ds:uri="http://www.w3.org/XML/1998/namespace"/>
-    <ds:schemaRef ds:uri="http://purl.org/dc/terms/"/>
-  </ds:schemaRefs>
-</ds:datastoreItem>
+<file path=customXml/item2.xml><?xml version="1.0" encoding="utf-8"?>
+<?mso-contentType ?>
+<FormTemplates xmlns="http://schemas.microsoft.com/sharepoint/v3/contenttype/forms">
+  <Display>DocumentLibraryForm</Display>
+  <Edit>DocumentLibraryForm</Edit>
+  <New>DocumentLibraryForm</New>
+</FormTemplates>
 </file>
 
-<file path=customXml/itemProps2.xml><?xml version="1.0" encoding="utf-8"?>
-<ds:datastoreItem xmlns:ds="http://schemas.openxmlformats.org/officeDocument/2006/customXml" ds:itemID="{712D0EB3-12E9-44C9-8146-4C8B9244C364}">
-  <ds:schemaRefs>
-    <ds:schemaRef ds:uri="http://schemas.microsoft.com/sharepoint/v3/contenttype/forms"/>
-  </ds:schemaRefs>
-</ds:datastoreItem>
+<file path=customXml/item3.xml><?xml version="1.0" encoding="utf-8"?>
+<p:properties xmlns:p="http://schemas.microsoft.com/office/2006/metadata/properties" xmlns:xsi="http://www.w3.org/2001/XMLSchema-instance" xmlns:pc="http://schemas.microsoft.com/office/infopath/2007/PartnerControls">
+  <documentManagement/>
+</p:properties>
 </file>
 
-<file path=customXml/itemProps3.xml><?xml version="1.0" encoding="utf-8"?>
+<file path=customXml/itemProps1.xml><?xml version="1.0" encoding="utf-8"?>
 <ds:datastoreItem xmlns:ds="http://schemas.openxmlformats.org/officeDocument/2006/customXml" ds:itemID="{DC26F6B0-B27D-448F-BBD6-A213511BC884}">
   <ds:schemaRefs>
     <ds:schemaRef ds:uri="http://schemas.microsoft.com/office/2006/metadata/contentType"/>
@@ -4326,4 +4354,29 @@
     <ds:schemaRef ds:uri="http://schemas.microsoft.com/internal/obd"/>
   </ds:schemaRefs>
 </ds:datastoreItem>
+</file>
+
+<file path=customXml/itemProps2.xml><?xml version="1.0" encoding="utf-8"?>
+<ds:datastoreItem xmlns:ds="http://schemas.openxmlformats.org/officeDocument/2006/customXml" ds:itemID="{712D0EB3-12E9-44C9-8146-4C8B9244C364}">
+  <ds:schemaRefs>
+    <ds:schemaRef ds:uri="http://schemas.microsoft.com/sharepoint/v3/contenttype/forms"/>
+  </ds:schemaRefs>
+</ds:datastoreItem>
+</file>
+
+<file path=customXml/itemProps3.xml><?xml version="1.0" encoding="utf-8"?>
+<ds:datastoreItem xmlns:ds="http://schemas.openxmlformats.org/officeDocument/2006/customXml" ds:itemID="{6B3BB913-34D6-4E3C-A10D-EDC929D2CC33}">
+  <ds:schemaRefs>
+    <ds:schemaRef ds:uri="http://purl.org/dc/elements/1.1/"/>
+    <ds:schemaRef ds:uri="http://schemas.openxmlformats.org/package/2006/metadata/core-properties"/>
+    <ds:schemaRef ds:uri="798dfa3b-b331-4081-a8ab-d3ad5de55129"/>
+    <ds:schemaRef ds:uri="fb6a2c4e-9846-4f3a-9695-83018ed5ab6f"/>
+    <ds:schemaRef ds:uri="http://schemas.microsoft.com/office/2006/documentManagement/types"/>
+    <ds:schemaRef ds:uri="http://purl.org/dc/dcmitype/"/>
+    <ds:schemaRef ds:uri="http://schemas.microsoft.com/office/infopath/2007/PartnerControls"/>
+    <ds:schemaRef ds:uri="http://schemas.microsoft.com/office/2006/metadata/properties"/>
+    <ds:schemaRef ds:uri="http://www.w3.org/XML/1998/namespace"/>
+    <ds:schemaRef ds:uri="http://purl.org/dc/terms/"/>
+  </ds:schemaRefs>
+</ds:datastoreItem>
 </file>